--- a/Project_Presentation.pptx
+++ b/Project_Presentation.pptx
@@ -340,7 +340,7 @@
             <a:fld id="{1D8BD707-D9CF-40AE-B4C6-C98DA3205C09}" type="datetimeFigureOut">
               <a:rPr lang="en-US" smtClean="0"/>
               <a:pPr/>
-              <a:t>12/24/2025</a:t>
+              <a:t>12/25/2025</a:t>
             </a:fld>
             <a:endParaRPr lang="en-US"/>
           </a:p>
@@ -505,7 +505,7 @@
             <a:fld id="{1D8BD707-D9CF-40AE-B4C6-C98DA3205C09}" type="datetimeFigureOut">
               <a:rPr lang="en-US" smtClean="0"/>
               <a:pPr/>
-              <a:t>12/24/2025</a:t>
+              <a:t>12/25/2025</a:t>
             </a:fld>
             <a:endParaRPr lang="en-US"/>
           </a:p>
@@ -680,7 +680,7 @@
             <a:fld id="{1D8BD707-D9CF-40AE-B4C6-C98DA3205C09}" type="datetimeFigureOut">
               <a:rPr lang="en-US" smtClean="0"/>
               <a:pPr/>
-              <a:t>12/24/2025</a:t>
+              <a:t>12/25/2025</a:t>
             </a:fld>
             <a:endParaRPr lang="en-US"/>
           </a:p>
@@ -845,7 +845,7 @@
             <a:fld id="{1D8BD707-D9CF-40AE-B4C6-C98DA3205C09}" type="datetimeFigureOut">
               <a:rPr lang="en-US" smtClean="0"/>
               <a:pPr/>
-              <a:t>12/24/2025</a:t>
+              <a:t>12/25/2025</a:t>
             </a:fld>
             <a:endParaRPr lang="en-US"/>
           </a:p>
@@ -1087,7 +1087,7 @@
             <a:fld id="{1D8BD707-D9CF-40AE-B4C6-C98DA3205C09}" type="datetimeFigureOut">
               <a:rPr lang="en-US" smtClean="0"/>
               <a:pPr/>
-              <a:t>12/24/2025</a:t>
+              <a:t>12/25/2025</a:t>
             </a:fld>
             <a:endParaRPr lang="en-US"/>
           </a:p>
@@ -1369,7 +1369,7 @@
             <a:fld id="{1D8BD707-D9CF-40AE-B4C6-C98DA3205C09}" type="datetimeFigureOut">
               <a:rPr lang="en-US" smtClean="0"/>
               <a:pPr/>
-              <a:t>12/24/2025</a:t>
+              <a:t>12/25/2025</a:t>
             </a:fld>
             <a:endParaRPr lang="en-US"/>
           </a:p>
@@ -1785,7 +1785,7 @@
             <a:fld id="{1D8BD707-D9CF-40AE-B4C6-C98DA3205C09}" type="datetimeFigureOut">
               <a:rPr lang="en-US" smtClean="0"/>
               <a:pPr/>
-              <a:t>12/24/2025</a:t>
+              <a:t>12/25/2025</a:t>
             </a:fld>
             <a:endParaRPr lang="en-US"/>
           </a:p>
@@ -1899,7 +1899,7 @@
             <a:fld id="{1D8BD707-D9CF-40AE-B4C6-C98DA3205C09}" type="datetimeFigureOut">
               <a:rPr lang="en-US" smtClean="0"/>
               <a:pPr/>
-              <a:t>12/24/2025</a:t>
+              <a:t>12/25/2025</a:t>
             </a:fld>
             <a:endParaRPr lang="en-US"/>
           </a:p>
@@ -1991,7 +1991,7 @@
             <a:fld id="{1D8BD707-D9CF-40AE-B4C6-C98DA3205C09}" type="datetimeFigureOut">
               <a:rPr lang="en-US" smtClean="0"/>
               <a:pPr/>
-              <a:t>12/24/2025</a:t>
+              <a:t>12/25/2025</a:t>
             </a:fld>
             <a:endParaRPr lang="en-US"/>
           </a:p>
@@ -2263,7 +2263,7 @@
             <a:fld id="{1D8BD707-D9CF-40AE-B4C6-C98DA3205C09}" type="datetimeFigureOut">
               <a:rPr lang="en-US" smtClean="0"/>
               <a:pPr/>
-              <a:t>12/24/2025</a:t>
+              <a:t>12/25/2025</a:t>
             </a:fld>
             <a:endParaRPr lang="en-US"/>
           </a:p>
@@ -2512,7 +2512,7 @@
             <a:fld id="{1D8BD707-D9CF-40AE-B4C6-C98DA3205C09}" type="datetimeFigureOut">
               <a:rPr lang="en-US" smtClean="0"/>
               <a:pPr/>
-              <a:t>12/24/2025</a:t>
+              <a:t>12/25/2025</a:t>
             </a:fld>
             <a:endParaRPr lang="en-US"/>
           </a:p>
@@ -2720,7 +2720,7 @@
             <a:fld id="{1D8BD707-D9CF-40AE-B4C6-C98DA3205C09}" type="datetimeFigureOut">
               <a:rPr lang="en-US" smtClean="0"/>
               <a:pPr/>
-              <a:t>12/24/2025</a:t>
+              <a:t>12/25/2025</a:t>
             </a:fld>
             <a:endParaRPr lang="en-US"/>
           </a:p>
@@ -3362,7 +3362,7 @@
         </p:nvSpPr>
         <p:spPr>
           <a:xfrm>
-            <a:off x="9314462" y="6399247"/>
+            <a:off x="8884865" y="5295900"/>
             <a:ext cx="2992041" cy="857374"/>
           </a:xfrm>
           <a:prstGeom prst="rect">
@@ -3381,7 +3381,7 @@
               </a:lnSpc>
             </a:pPr>
             <a:r>
-              <a:rPr lang="en-US" sz="2999" b="1">
+              <a:rPr lang="en-US" sz="2999" b="1" dirty="0">
                 <a:solidFill>
                   <a:srgbClr val="000000"/>
                 </a:solidFill>
@@ -3403,7 +3403,7 @@
         </p:nvSpPr>
         <p:spPr>
           <a:xfrm>
-            <a:off x="8963997" y="7271772"/>
+            <a:off x="8735397" y="6168425"/>
             <a:ext cx="5818803" cy="1651658"/>
           </a:xfrm>
           <a:prstGeom prst="rect">
@@ -3603,6 +3603,74 @@
               </a:rPr>
               <a:t>Intel Unnati Industrial Training 2025</a:t>
             </a:r>
+          </a:p>
+        </p:txBody>
+      </p:sp>
+      <p:sp>
+        <p:nvSpPr>
+          <p:cNvPr id="16" name="TextBox 15">
+            <a:extLst>
+              <a:ext uri="{FF2B5EF4-FFF2-40B4-BE49-F238E27FC236}">
+                <a16:creationId xmlns:a16="http://schemas.microsoft.com/office/drawing/2014/main" id="{1EABF766-30CA-5CD6-FA19-3394C7396165}"/>
+              </a:ext>
+            </a:extLst>
+          </p:cNvPr>
+          <p:cNvSpPr txBox="1"/>
+          <p:nvPr/>
+        </p:nvSpPr>
+        <p:spPr>
+          <a:xfrm>
+            <a:off x="8763000" y="8033044"/>
+            <a:ext cx="9144000" cy="1405769"/>
+          </a:xfrm>
+          <a:prstGeom prst="rect">
+            <a:avLst/>
+          </a:prstGeom>
+          <a:noFill/>
+        </p:spPr>
+        <p:txBody>
+          <a:bodyPr wrap="square">
+            <a:spAutoFit/>
+          </a:bodyPr>
+          <a:lstStyle/>
+          <a:p>
+            <a:pPr>
+              <a:lnSpc>
+                <a:spcPct val="150000"/>
+              </a:lnSpc>
+              <a:buNone/>
+            </a:pPr>
+            <a:r>
+              <a:rPr lang="en-US" sz="3000" b="1" i="0" dirty="0">
+                <a:effectLst/>
+                <a:latin typeface="Telegraf Bold" panose="020B0604020202020204" charset="0"/>
+              </a:rPr>
+              <a:t>UNDER THE SUPERVISION OF</a:t>
+            </a:r>
+            <a:endParaRPr lang="en-US" sz="3000" dirty="0">
+              <a:effectLst/>
+              <a:latin typeface="Telegraf Bold" panose="020B0604020202020204" charset="0"/>
+            </a:endParaRPr>
+          </a:p>
+          <a:p>
+            <a:pPr marL="457200" indent="-457200">
+              <a:lnSpc>
+                <a:spcPct val="150000"/>
+              </a:lnSpc>
+              <a:buFont typeface="Arial" panose="020B0604020202020204" pitchFamily="34" charset="0"/>
+              <a:buChar char="•"/>
+            </a:pPr>
+            <a:r>
+              <a:rPr lang="en-US" sz="3000" b="1" i="0" dirty="0">
+                <a:effectLst/>
+                <a:latin typeface="Telegraf Bold" panose="020B0604020202020204" charset="0"/>
+              </a:rPr>
+              <a:t>PROF. PUSPEN LAHIRI</a:t>
+            </a:r>
+            <a:endParaRPr lang="en-US" sz="3000" dirty="0">
+              <a:effectLst/>
+              <a:latin typeface="Telegraf Bold" panose="020B0604020202020204" charset="0"/>
+            </a:endParaRPr>
           </a:p>
         </p:txBody>
       </p:sp>
